--- a/doc/presentation.pptx
+++ b/doc/presentation.pptx
@@ -13,8 +13,7 @@
     <p:sldId id="259" r:id="rId7"/>
     <p:sldId id="262" r:id="rId8"/>
     <p:sldId id="263" r:id="rId9"/>
-    <p:sldId id="264" r:id="rId10"/>
-    <p:sldId id="265" r:id="rId11"/>
+    <p:sldId id="265" r:id="rId10"/>
   </p:sldIdLst>
   <p:sldSz cx="12192000" cy="6858000"/>
   <p:notesSz cx="6858000" cy="9144000"/>
@@ -270,7 +269,7 @@
           <a:p>
             <a:fld id="{E3817827-7733-40F9-B651-CC39031C7198}" type="datetimeFigureOut">
               <a:rPr lang="en-GB" smtClean="0"/>
-              <a:t>02/04/2020</a:t>
+              <a:t>03/04/2020</a:t>
             </a:fld>
             <a:endParaRPr lang="en-GB"/>
           </a:p>
@@ -470,7 +469,7 @@
           <a:p>
             <a:fld id="{E3817827-7733-40F9-B651-CC39031C7198}" type="datetimeFigureOut">
               <a:rPr lang="en-GB" smtClean="0"/>
-              <a:t>02/04/2020</a:t>
+              <a:t>03/04/2020</a:t>
             </a:fld>
             <a:endParaRPr lang="en-GB"/>
           </a:p>
@@ -680,7 +679,7 @@
           <a:p>
             <a:fld id="{E3817827-7733-40F9-B651-CC39031C7198}" type="datetimeFigureOut">
               <a:rPr lang="en-GB" smtClean="0"/>
-              <a:t>02/04/2020</a:t>
+              <a:t>03/04/2020</a:t>
             </a:fld>
             <a:endParaRPr lang="en-GB"/>
           </a:p>
@@ -880,7 +879,7 @@
           <a:p>
             <a:fld id="{E3817827-7733-40F9-B651-CC39031C7198}" type="datetimeFigureOut">
               <a:rPr lang="en-GB" smtClean="0"/>
-              <a:t>02/04/2020</a:t>
+              <a:t>03/04/2020</a:t>
             </a:fld>
             <a:endParaRPr lang="en-GB"/>
           </a:p>
@@ -1156,7 +1155,7 @@
           <a:p>
             <a:fld id="{E3817827-7733-40F9-B651-CC39031C7198}" type="datetimeFigureOut">
               <a:rPr lang="en-GB" smtClean="0"/>
-              <a:t>02/04/2020</a:t>
+              <a:t>03/04/2020</a:t>
             </a:fld>
             <a:endParaRPr lang="en-GB"/>
           </a:p>
@@ -1424,7 +1423,7 @@
           <a:p>
             <a:fld id="{E3817827-7733-40F9-B651-CC39031C7198}" type="datetimeFigureOut">
               <a:rPr lang="en-GB" smtClean="0"/>
-              <a:t>02/04/2020</a:t>
+              <a:t>03/04/2020</a:t>
             </a:fld>
             <a:endParaRPr lang="en-GB"/>
           </a:p>
@@ -1839,7 +1838,7 @@
           <a:p>
             <a:fld id="{E3817827-7733-40F9-B651-CC39031C7198}" type="datetimeFigureOut">
               <a:rPr lang="en-GB" smtClean="0"/>
-              <a:t>02/04/2020</a:t>
+              <a:t>03/04/2020</a:t>
             </a:fld>
             <a:endParaRPr lang="en-GB"/>
           </a:p>
@@ -1981,7 +1980,7 @@
           <a:p>
             <a:fld id="{E3817827-7733-40F9-B651-CC39031C7198}" type="datetimeFigureOut">
               <a:rPr lang="en-GB" smtClean="0"/>
-              <a:t>02/04/2020</a:t>
+              <a:t>03/04/2020</a:t>
             </a:fld>
             <a:endParaRPr lang="en-GB"/>
           </a:p>
@@ -2094,7 +2093,7 @@
           <a:p>
             <a:fld id="{E3817827-7733-40F9-B651-CC39031C7198}" type="datetimeFigureOut">
               <a:rPr lang="en-GB" smtClean="0"/>
-              <a:t>02/04/2020</a:t>
+              <a:t>03/04/2020</a:t>
             </a:fld>
             <a:endParaRPr lang="en-GB"/>
           </a:p>
@@ -2407,7 +2406,7 @@
           <a:p>
             <a:fld id="{E3817827-7733-40F9-B651-CC39031C7198}" type="datetimeFigureOut">
               <a:rPr lang="en-GB" smtClean="0"/>
-              <a:t>02/04/2020</a:t>
+              <a:t>03/04/2020</a:t>
             </a:fld>
             <a:endParaRPr lang="en-GB"/>
           </a:p>
@@ -2696,7 +2695,7 @@
           <a:p>
             <a:fld id="{E3817827-7733-40F9-B651-CC39031C7198}" type="datetimeFigureOut">
               <a:rPr lang="en-GB" smtClean="0"/>
-              <a:t>02/04/2020</a:t>
+              <a:t>03/04/2020</a:t>
             </a:fld>
             <a:endParaRPr lang="en-GB"/>
           </a:p>
@@ -2939,7 +2938,7 @@
           <a:p>
             <a:fld id="{E3817827-7733-40F9-B651-CC39031C7198}" type="datetimeFigureOut">
               <a:rPr lang="en-GB" smtClean="0"/>
-              <a:t>02/04/2020</a:t>
+              <a:t>03/04/2020</a:t>
             </a:fld>
             <a:endParaRPr lang="en-GB"/>
           </a:p>
@@ -3437,89 +3436,6 @@
 </p:sld>
 </file>
 
-<file path=ppt/slides/slide10.xml><?xml version="1.0" encoding="utf-8"?>
-<p:sld xmlns:a="http://schemas.openxmlformats.org/drawingml/2006/main" xmlns:r="http://schemas.openxmlformats.org/officeDocument/2006/relationships" xmlns:p="http://schemas.openxmlformats.org/presentationml/2006/main">
-  <p:cSld>
-    <p:spTree>
-      <p:nvGrpSpPr>
-        <p:cNvPr id="1" name=""/>
-        <p:cNvGrpSpPr/>
-        <p:nvPr/>
-      </p:nvGrpSpPr>
-      <p:grpSpPr>
-        <a:xfrm>
-          <a:off x="0" y="0"/>
-          <a:ext cx="0" cy="0"/>
-          <a:chOff x="0" y="0"/>
-          <a:chExt cx="0" cy="0"/>
-        </a:xfrm>
-      </p:grpSpPr>
-      <p:sp>
-        <p:nvSpPr>
-          <p:cNvPr id="2" name="Title 1">
-            <a:extLst>
-              <a:ext uri="{FF2B5EF4-FFF2-40B4-BE49-F238E27FC236}">
-                <a16:creationId xmlns:a16="http://schemas.microsoft.com/office/drawing/2014/main" id="{B9D533AA-19E0-42A2-AE77-355487C3052A}"/>
-              </a:ext>
-            </a:extLst>
-          </p:cNvPr>
-          <p:cNvSpPr>
-            <a:spLocks noGrp="1"/>
-          </p:cNvSpPr>
-          <p:nvPr>
-            <p:ph type="title"/>
-          </p:nvPr>
-        </p:nvSpPr>
-        <p:spPr/>
-        <p:txBody>
-          <a:bodyPr/>
-          <a:lstStyle/>
-          <a:p>
-            <a:r>
-              <a:rPr lang="en-GB" dirty="0"/>
-              <a:t>Demo</a:t>
-            </a:r>
-          </a:p>
-        </p:txBody>
-      </p:sp>
-      <p:sp>
-        <p:nvSpPr>
-          <p:cNvPr id="3" name="Content Placeholder 2">
-            <a:extLst>
-              <a:ext uri="{FF2B5EF4-FFF2-40B4-BE49-F238E27FC236}">
-                <a16:creationId xmlns:a16="http://schemas.microsoft.com/office/drawing/2014/main" id="{D304FC22-8BDA-4665-B093-59FA5B08DF5D}"/>
-              </a:ext>
-            </a:extLst>
-          </p:cNvPr>
-          <p:cNvSpPr>
-            <a:spLocks noGrp="1"/>
-          </p:cNvSpPr>
-          <p:nvPr>
-            <p:ph idx="1"/>
-          </p:nvPr>
-        </p:nvSpPr>
-        <p:spPr/>
-        <p:txBody>
-          <a:bodyPr/>
-          <a:lstStyle/>
-          <a:p>
-            <a:endParaRPr lang="en-GB"/>
-          </a:p>
-        </p:txBody>
-      </p:sp>
-    </p:spTree>
-    <p:extLst>
-      <p:ext uri="{BB962C8B-B14F-4D97-AF65-F5344CB8AC3E}">
-        <p14:creationId xmlns:p14="http://schemas.microsoft.com/office/powerpoint/2010/main" val="4009122389"/>
-      </p:ext>
-    </p:extLst>
-  </p:cSld>
-  <p:clrMapOvr>
-    <a:masterClrMapping/>
-  </p:clrMapOvr>
-</p:sld>
-</file>
-
 <file path=ppt/slides/slide2.xml><?xml version="1.0" encoding="utf-8"?>
 <p:sld xmlns:a="http://schemas.openxmlformats.org/drawingml/2006/main" xmlns:r="http://schemas.openxmlformats.org/officeDocument/2006/relationships" xmlns:p="http://schemas.openxmlformats.org/presentationml/2006/main">
   <p:cSld>
@@ -4205,6 +4121,39 @@
               <a:t>We chose not to use PHP because</a:t>
             </a:r>
           </a:p>
+          <a:p>
+            <a:pPr marL="0" indent="0">
+              <a:buNone/>
+            </a:pPr>
+            <a:endParaRPr lang="en-GB" dirty="0"/>
+          </a:p>
+          <a:p>
+            <a:pPr>
+              <a:buFontTx/>
+              <a:buChar char="-"/>
+            </a:pPr>
+            <a:r>
+              <a:rPr lang="en-GB" dirty="0"/>
+              <a:t>Poor documentation</a:t>
+            </a:r>
+          </a:p>
+          <a:p>
+            <a:pPr>
+              <a:buFontTx/>
+              <a:buChar char="-"/>
+            </a:pPr>
+            <a:r>
+              <a:rPr lang="en-GB" dirty="0"/>
+              <a:t>Synchronous operation: unlike JS</a:t>
+            </a:r>
+          </a:p>
+          <a:p>
+            <a:pPr>
+              <a:buFontTx/>
+              <a:buChar char="-"/>
+            </a:pPr>
+            <a:endParaRPr lang="en-GB" dirty="0"/>
+          </a:p>
         </p:txBody>
       </p:sp>
       <p:pic>
@@ -4800,7 +4749,7 @@
               <a:buNone/>
             </a:pPr>
             <a:r>
-              <a:rPr lang="en-GB" dirty="0"/>
+              <a:rPr lang="en-GB"/>
               <a:t>- </a:t>
             </a:r>
           </a:p>
@@ -4964,7 +4913,7 @@
           <p:cNvPr id="2" name="Title 1">
             <a:extLst>
               <a:ext uri="{FF2B5EF4-FFF2-40B4-BE49-F238E27FC236}">
-                <a16:creationId xmlns:a16="http://schemas.microsoft.com/office/drawing/2014/main" id="{6EDAFEBA-B1C4-4859-A880-14A11B101483}"/>
+                <a16:creationId xmlns:a16="http://schemas.microsoft.com/office/drawing/2014/main" id="{B9D533AA-19E0-42A2-AE77-355487C3052A}"/>
               </a:ext>
             </a:extLst>
           </p:cNvPr>
@@ -4982,7 +4931,7 @@
           <a:p>
             <a:r>
               <a:rPr lang="en-GB" dirty="0"/>
-              <a:t>Multiplayer design plan</a:t>
+              <a:t>Demo</a:t>
             </a:r>
           </a:p>
         </p:txBody>
@@ -4992,7 +4941,7 @@
           <p:cNvPr id="3" name="Content Placeholder 2">
             <a:extLst>
               <a:ext uri="{FF2B5EF4-FFF2-40B4-BE49-F238E27FC236}">
-                <a16:creationId xmlns:a16="http://schemas.microsoft.com/office/drawing/2014/main" id="{1DAA11A7-5594-4F66-A3FB-AF476C181371}"/>
+                <a16:creationId xmlns:a16="http://schemas.microsoft.com/office/drawing/2014/main" id="{D304FC22-8BDA-4665-B093-59FA5B08DF5D}"/>
               </a:ext>
             </a:extLst>
           </p:cNvPr>
@@ -5015,7 +4964,7 @@
     </p:spTree>
     <p:extLst>
       <p:ext uri="{BB962C8B-B14F-4D97-AF65-F5344CB8AC3E}">
-        <p14:creationId xmlns:p14="http://schemas.microsoft.com/office/powerpoint/2010/main" val="654951535"/>
+        <p14:creationId xmlns:p14="http://schemas.microsoft.com/office/powerpoint/2010/main" val="4009122389"/>
       </p:ext>
     </p:extLst>
   </p:cSld>

--- a/doc/presentation.pptx
+++ b/doc/presentation.pptx
@@ -3829,7 +3829,10 @@
           <a:bodyPr/>
           <a:lstStyle/>
           <a:p>
-            <a:endParaRPr lang="en-GB" dirty="0"/>
+            <a:r>
+              <a:rPr lang="en-GB" dirty="0"/>
+              <a:t>Technologies</a:t>
+            </a:r>
           </a:p>
         </p:txBody>
       </p:sp>
@@ -3988,8 +3991,8 @@
         </p:nvSpPr>
         <p:spPr>
           <a:xfrm>
-            <a:off x="971551" y="1229023"/>
-            <a:ext cx="9803423" cy="923330"/>
+            <a:off x="838200" y="1369292"/>
+            <a:ext cx="9803423" cy="1200329"/>
           </a:xfrm>
           <a:prstGeom prst="rect">
             <a:avLst/>
@@ -4010,7 +4013,7 @@
           <a:p>
             <a:r>
               <a:rPr lang="en-GB" dirty="0"/>
-              <a:t>After planning out some communication between devices it became obvious that there were going to be a large amount of connections between clients and server. So we discussed some </a:t>
+              <a:t>After planning out some communication between devices it became obvious that there were going to be a large amount of connections between clients and server. Following is an evaluation of the technologies looked at.</a:t>
             </a:r>
           </a:p>
         </p:txBody>
@@ -4749,7 +4752,7 @@
               <a:buNone/>
             </a:pPr>
             <a:r>
-              <a:rPr lang="en-GB"/>
+              <a:rPr lang="en-GB" dirty="0"/>
               <a:t>- </a:t>
             </a:r>
           </a:p>

--- a/doc/presentation.pptx
+++ b/doc/presentation.pptx
@@ -11,9 +11,11 @@
     <p:sldId id="258" r:id="rId5"/>
     <p:sldId id="260" r:id="rId6"/>
     <p:sldId id="259" r:id="rId7"/>
-    <p:sldId id="262" r:id="rId8"/>
-    <p:sldId id="263" r:id="rId9"/>
-    <p:sldId id="265" r:id="rId10"/>
+    <p:sldId id="266" r:id="rId8"/>
+    <p:sldId id="262" r:id="rId9"/>
+    <p:sldId id="267" r:id="rId10"/>
+    <p:sldId id="263" r:id="rId11"/>
+    <p:sldId id="265" r:id="rId12"/>
   </p:sldIdLst>
   <p:sldSz cx="12192000" cy="6858000"/>
   <p:notesSz cx="6858000" cy="9144000"/>
@@ -3436,6 +3438,257 @@
 </p:sld>
 </file>
 
+<file path=ppt/slides/slide10.xml><?xml version="1.0" encoding="utf-8"?>
+<p:sld xmlns:a="http://schemas.openxmlformats.org/drawingml/2006/main" xmlns:r="http://schemas.openxmlformats.org/officeDocument/2006/relationships" xmlns:p="http://schemas.openxmlformats.org/presentationml/2006/main">
+  <p:cSld>
+    <p:spTree>
+      <p:nvGrpSpPr>
+        <p:cNvPr id="1" name=""/>
+        <p:cNvGrpSpPr/>
+        <p:nvPr/>
+      </p:nvGrpSpPr>
+      <p:grpSpPr>
+        <a:xfrm>
+          <a:off x="0" y="0"/>
+          <a:ext cx="0" cy="0"/>
+          <a:chOff x="0" y="0"/>
+          <a:chExt cx="0" cy="0"/>
+        </a:xfrm>
+      </p:grpSpPr>
+      <p:sp>
+        <p:nvSpPr>
+          <p:cNvPr id="3" name="Content Placeholder 2">
+            <a:extLst>
+              <a:ext uri="{FF2B5EF4-FFF2-40B4-BE49-F238E27FC236}">
+                <a16:creationId xmlns:a16="http://schemas.microsoft.com/office/drawing/2014/main" id="{2CB1E78C-E156-48DD-A121-E9FB44470A17}"/>
+              </a:ext>
+            </a:extLst>
+          </p:cNvPr>
+          <p:cNvSpPr>
+            <a:spLocks noGrp="1"/>
+          </p:cNvSpPr>
+          <p:nvPr>
+            <p:ph idx="1"/>
+          </p:nvPr>
+        </p:nvSpPr>
+        <p:spPr/>
+        <p:txBody>
+          <a:bodyPr/>
+          <a:lstStyle/>
+          <a:p>
+            <a:pPr marL="0" indent="0">
+              <a:buNone/>
+            </a:pPr>
+            <a:r>
+              <a:rPr lang="en-GB" dirty="0"/>
+              <a:t>We chose to use MySQL because</a:t>
+            </a:r>
+          </a:p>
+          <a:p>
+            <a:pPr marL="0" indent="0">
+              <a:buNone/>
+            </a:pPr>
+            <a:r>
+              <a:rPr lang="en-GB" dirty="0"/>
+              <a:t>- </a:t>
+            </a:r>
+          </a:p>
+        </p:txBody>
+      </p:sp>
+      <p:pic>
+        <p:nvPicPr>
+          <p:cNvPr id="4" name="Picture 20" descr="Image result for mysql logo">
+            <a:extLst>
+              <a:ext uri="{FF2B5EF4-FFF2-40B4-BE49-F238E27FC236}">
+                <a16:creationId xmlns:a16="http://schemas.microsoft.com/office/drawing/2014/main" id="{41664C9B-6506-4FAA-8301-A33F4B616935}"/>
+              </a:ext>
+            </a:extLst>
+          </p:cNvPr>
+          <p:cNvPicPr>
+            <a:picLocks noChangeAspect="1" noChangeArrowheads="1"/>
+          </p:cNvPicPr>
+          <p:nvPr/>
+        </p:nvPicPr>
+        <p:blipFill>
+          <a:blip r:embed="rId2">
+            <a:extLst>
+              <a:ext uri="{28A0092B-C50C-407E-A947-70E740481C1C}">
+                <a14:useLocalDpi xmlns:a14="http://schemas.microsoft.com/office/drawing/2010/main" val="0"/>
+              </a:ext>
+            </a:extLst>
+          </a:blip>
+          <a:srcRect/>
+          <a:stretch>
+            <a:fillRect/>
+          </a:stretch>
+        </p:blipFill>
+        <p:spPr bwMode="auto">
+          <a:xfrm>
+            <a:off x="1013505" y="165378"/>
+            <a:ext cx="2841272" cy="1465623"/>
+          </a:xfrm>
+          <a:prstGeom prst="rect">
+            <a:avLst/>
+          </a:prstGeom>
+          <a:noFill/>
+          <a:extLst>
+            <a:ext uri="{909E8E84-426E-40DD-AFC4-6F175D3DCCD1}">
+              <a14:hiddenFill xmlns:a14="http://schemas.microsoft.com/office/drawing/2010/main">
+                <a:solidFill>
+                  <a:srgbClr val="FFFFFF"/>
+                </a:solidFill>
+              </a14:hiddenFill>
+            </a:ext>
+          </a:extLst>
+        </p:spPr>
+      </p:pic>
+      <p:pic>
+        <p:nvPicPr>
+          <p:cNvPr id="5" name="Picture 4">
+            <a:extLst>
+              <a:ext uri="{FF2B5EF4-FFF2-40B4-BE49-F238E27FC236}">
+                <a16:creationId xmlns:a16="http://schemas.microsoft.com/office/drawing/2014/main" id="{B1CDBDD0-BC04-4C8A-91AD-146088D3639F}"/>
+              </a:ext>
+            </a:extLst>
+          </p:cNvPr>
+          <p:cNvPicPr>
+            <a:picLocks noChangeAspect="1"/>
+          </p:cNvPicPr>
+          <p:nvPr/>
+        </p:nvPicPr>
+        <p:blipFill rotWithShape="1">
+          <a:blip r:embed="rId3"/>
+          <a:srcRect l="22119" t="30495" r="896" b="40949"/>
+          <a:stretch/>
+        </p:blipFill>
+        <p:spPr>
+          <a:xfrm>
+            <a:off x="7367048" y="165378"/>
+            <a:ext cx="4652128" cy="933254"/>
+          </a:xfrm>
+          <a:prstGeom prst="rect">
+            <a:avLst/>
+          </a:prstGeom>
+        </p:spPr>
+      </p:pic>
+      <p:pic>
+        <p:nvPicPr>
+          <p:cNvPr id="6" name="Picture 2" descr="Image result for tick img">
+            <a:extLst>
+              <a:ext uri="{FF2B5EF4-FFF2-40B4-BE49-F238E27FC236}">
+                <a16:creationId xmlns:a16="http://schemas.microsoft.com/office/drawing/2014/main" id="{55E2FE6E-5D7C-4C29-BFFE-0806538D10DF}"/>
+              </a:ext>
+            </a:extLst>
+          </p:cNvPr>
+          <p:cNvPicPr>
+            <a:picLocks noChangeAspect="1" noChangeArrowheads="1"/>
+          </p:cNvPicPr>
+          <p:nvPr/>
+        </p:nvPicPr>
+        <p:blipFill>
+          <a:blip r:embed="rId4">
+            <a:extLst>
+              <a:ext uri="{28A0092B-C50C-407E-A947-70E740481C1C}">
+                <a14:useLocalDpi xmlns:a14="http://schemas.microsoft.com/office/drawing/2010/main" val="0"/>
+              </a:ext>
+            </a:extLst>
+          </a:blip>
+          <a:srcRect/>
+          <a:stretch>
+            <a:fillRect/>
+          </a:stretch>
+        </p:blipFill>
+        <p:spPr bwMode="auto">
+          <a:xfrm>
+            <a:off x="4353099" y="518421"/>
+            <a:ext cx="943708" cy="943708"/>
+          </a:xfrm>
+          <a:prstGeom prst="rect">
+            <a:avLst/>
+          </a:prstGeom>
+          <a:noFill/>
+          <a:extLst>
+            <a:ext uri="{909E8E84-426E-40DD-AFC4-6F175D3DCCD1}">
+              <a14:hiddenFill xmlns:a14="http://schemas.microsoft.com/office/drawing/2010/main">
+                <a:solidFill>
+                  <a:srgbClr val="FFFFFF"/>
+                </a:solidFill>
+              </a14:hiddenFill>
+            </a:ext>
+          </a:extLst>
+        </p:spPr>
+      </p:pic>
+    </p:spTree>
+    <p:extLst>
+      <p:ext uri="{BB962C8B-B14F-4D97-AF65-F5344CB8AC3E}">
+        <p14:creationId xmlns:p14="http://schemas.microsoft.com/office/powerpoint/2010/main" val="511775824"/>
+      </p:ext>
+    </p:extLst>
+  </p:cSld>
+  <p:clrMapOvr>
+    <a:masterClrMapping/>
+  </p:clrMapOvr>
+</p:sld>
+</file>
+
+<file path=ppt/slides/slide11.xml><?xml version="1.0" encoding="utf-8"?>
+<p:sld xmlns:a="http://schemas.openxmlformats.org/drawingml/2006/main" xmlns:r="http://schemas.openxmlformats.org/officeDocument/2006/relationships" xmlns:p="http://schemas.openxmlformats.org/presentationml/2006/main">
+  <p:cSld>
+    <p:spTree>
+      <p:nvGrpSpPr>
+        <p:cNvPr id="1" name=""/>
+        <p:cNvGrpSpPr/>
+        <p:nvPr/>
+      </p:nvGrpSpPr>
+      <p:grpSpPr>
+        <a:xfrm>
+          <a:off x="0" y="0"/>
+          <a:ext cx="0" cy="0"/>
+          <a:chOff x="0" y="0"/>
+          <a:chExt cx="0" cy="0"/>
+        </a:xfrm>
+      </p:grpSpPr>
+      <p:sp>
+        <p:nvSpPr>
+          <p:cNvPr id="2" name="Title 1">
+            <a:extLst>
+              <a:ext uri="{FF2B5EF4-FFF2-40B4-BE49-F238E27FC236}">
+                <a16:creationId xmlns:a16="http://schemas.microsoft.com/office/drawing/2014/main" id="{B9D533AA-19E0-42A2-AE77-355487C3052A}"/>
+              </a:ext>
+            </a:extLst>
+          </p:cNvPr>
+          <p:cNvSpPr>
+            <a:spLocks noGrp="1"/>
+          </p:cNvSpPr>
+          <p:nvPr>
+            <p:ph type="title"/>
+          </p:nvPr>
+        </p:nvSpPr>
+        <p:spPr/>
+        <p:txBody>
+          <a:bodyPr/>
+          <a:lstStyle/>
+          <a:p>
+            <a:r>
+              <a:rPr lang="en-GB" dirty="0"/>
+              <a:t>Demo</a:t>
+            </a:r>
+          </a:p>
+        </p:txBody>
+      </p:sp>
+    </p:spTree>
+    <p:extLst>
+      <p:ext uri="{BB962C8B-B14F-4D97-AF65-F5344CB8AC3E}">
+        <p14:creationId xmlns:p14="http://schemas.microsoft.com/office/powerpoint/2010/main" val="4009122389"/>
+      </p:ext>
+    </p:extLst>
+  </p:cSld>
+  <p:clrMapOvr>
+    <a:masterClrMapping/>
+  </p:clrMapOvr>
+</p:sld>
+</file>
+
 <file path=ppt/slides/slide2.xml><?xml version="1.0" encoding="utf-8"?>
 <p:sld xmlns:a="http://schemas.openxmlformats.org/drawingml/2006/main" xmlns:r="http://schemas.openxmlformats.org/officeDocument/2006/relationships" xmlns:p="http://schemas.openxmlformats.org/presentationml/2006/main">
   <p:cSld>
@@ -4530,6 +4783,204 @@
           <p:cNvPr id="3" name="Content Placeholder 2">
             <a:extLst>
               <a:ext uri="{FF2B5EF4-FFF2-40B4-BE49-F238E27FC236}">
+                <a16:creationId xmlns:a16="http://schemas.microsoft.com/office/drawing/2014/main" id="{B0486844-4A45-4DDD-AA87-40151E4A2A3C}"/>
+              </a:ext>
+            </a:extLst>
+          </p:cNvPr>
+          <p:cNvSpPr>
+            <a:spLocks noGrp="1"/>
+          </p:cNvSpPr>
+          <p:nvPr>
+            <p:ph idx="1"/>
+          </p:nvPr>
+        </p:nvSpPr>
+        <p:spPr/>
+        <p:txBody>
+          <a:bodyPr/>
+          <a:lstStyle/>
+          <a:p>
+            <a:pPr marL="0" indent="0">
+              <a:buNone/>
+            </a:pPr>
+            <a:r>
+              <a:rPr lang="en-GB" dirty="0"/>
+              <a:t>We chose not to use AngularJS because</a:t>
+            </a:r>
+          </a:p>
+          <a:p>
+            <a:pPr marL="0" indent="0">
+              <a:buNone/>
+            </a:pPr>
+            <a:endParaRPr lang="en-GB" dirty="0"/>
+          </a:p>
+          <a:p>
+            <a:pPr>
+              <a:buFontTx/>
+              <a:buChar char="-"/>
+            </a:pPr>
+            <a:endParaRPr lang="en-GB" dirty="0"/>
+          </a:p>
+        </p:txBody>
+      </p:sp>
+      <p:pic>
+        <p:nvPicPr>
+          <p:cNvPr id="6" name="Picture 4" descr="Image result for red x img">
+            <a:extLst>
+              <a:ext uri="{FF2B5EF4-FFF2-40B4-BE49-F238E27FC236}">
+                <a16:creationId xmlns:a16="http://schemas.microsoft.com/office/drawing/2014/main" id="{4467B0FC-49E1-4597-A3D0-25DAFF047C7A}"/>
+              </a:ext>
+            </a:extLst>
+          </p:cNvPr>
+          <p:cNvPicPr>
+            <a:picLocks noChangeAspect="1" noChangeArrowheads="1"/>
+          </p:cNvPicPr>
+          <p:nvPr/>
+        </p:nvPicPr>
+        <p:blipFill>
+          <a:blip r:embed="rId2">
+            <a:extLst>
+              <a:ext uri="{28A0092B-C50C-407E-A947-70E740481C1C}">
+                <a14:useLocalDpi xmlns:a14="http://schemas.microsoft.com/office/drawing/2010/main" val="0"/>
+              </a:ext>
+            </a:extLst>
+          </a:blip>
+          <a:srcRect/>
+          <a:stretch>
+            <a:fillRect/>
+          </a:stretch>
+        </p:blipFill>
+        <p:spPr bwMode="auto">
+          <a:xfrm>
+            <a:off x="3571144" y="474377"/>
+            <a:ext cx="989542" cy="989542"/>
+          </a:xfrm>
+          <a:prstGeom prst="rect">
+            <a:avLst/>
+          </a:prstGeom>
+          <a:noFill/>
+          <a:extLst>
+            <a:ext uri="{909E8E84-426E-40DD-AFC4-6F175D3DCCD1}">
+              <a14:hiddenFill xmlns:a14="http://schemas.microsoft.com/office/drawing/2010/main">
+                <a:solidFill>
+                  <a:srgbClr val="FFFFFF"/>
+                </a:solidFill>
+              </a14:hiddenFill>
+            </a:ext>
+          </a:extLst>
+        </p:spPr>
+      </p:pic>
+      <p:pic>
+        <p:nvPicPr>
+          <p:cNvPr id="2050" name="Picture 2" descr="AngularJS dynamic directives - Linagora Engineering - Medium">
+            <a:extLst>
+              <a:ext uri="{FF2B5EF4-FFF2-40B4-BE49-F238E27FC236}">
+                <a16:creationId xmlns:a16="http://schemas.microsoft.com/office/drawing/2014/main" id="{70CD43AD-729C-4662-9951-FFF20966DBC8}"/>
+              </a:ext>
+            </a:extLst>
+          </p:cNvPr>
+          <p:cNvPicPr>
+            <a:picLocks noChangeAspect="1" noChangeArrowheads="1"/>
+          </p:cNvPicPr>
+          <p:nvPr/>
+        </p:nvPicPr>
+        <p:blipFill>
+          <a:blip r:embed="rId3">
+            <a:extLst>
+              <a:ext uri="{28A0092B-C50C-407E-A947-70E740481C1C}">
+                <a14:useLocalDpi xmlns:a14="http://schemas.microsoft.com/office/drawing/2010/main" val="0"/>
+              </a:ext>
+            </a:extLst>
+          </a:blip>
+          <a:srcRect/>
+          <a:stretch>
+            <a:fillRect/>
+          </a:stretch>
+        </p:blipFill>
+        <p:spPr bwMode="auto">
+          <a:xfrm>
+            <a:off x="1035050" y="133985"/>
+            <a:ext cx="2114550" cy="1691640"/>
+          </a:xfrm>
+          <a:prstGeom prst="rect">
+            <a:avLst/>
+          </a:prstGeom>
+          <a:noFill/>
+          <a:extLst>
+            <a:ext uri="{909E8E84-426E-40DD-AFC4-6F175D3DCCD1}">
+              <a14:hiddenFill xmlns:a14="http://schemas.microsoft.com/office/drawing/2010/main">
+                <a:solidFill>
+                  <a:srgbClr val="FFFFFF"/>
+                </a:solidFill>
+              </a14:hiddenFill>
+            </a:ext>
+          </a:extLst>
+        </p:spPr>
+      </p:pic>
+      <p:pic>
+        <p:nvPicPr>
+          <p:cNvPr id="2" name="Picture 1">
+            <a:extLst>
+              <a:ext uri="{FF2B5EF4-FFF2-40B4-BE49-F238E27FC236}">
+                <a16:creationId xmlns:a16="http://schemas.microsoft.com/office/drawing/2014/main" id="{9C5A704F-EDBF-4F58-8C20-CD9FD16DFBCA}"/>
+              </a:ext>
+            </a:extLst>
+          </p:cNvPr>
+          <p:cNvPicPr>
+            <a:picLocks noChangeAspect="1"/>
+          </p:cNvPicPr>
+          <p:nvPr/>
+        </p:nvPicPr>
+        <p:blipFill>
+          <a:blip r:embed="rId4"/>
+          <a:stretch>
+            <a:fillRect/>
+          </a:stretch>
+        </p:blipFill>
+        <p:spPr>
+          <a:xfrm>
+            <a:off x="6567489" y="244475"/>
+            <a:ext cx="5305425" cy="1581150"/>
+          </a:xfrm>
+          <a:prstGeom prst="rect">
+            <a:avLst/>
+          </a:prstGeom>
+        </p:spPr>
+      </p:pic>
+    </p:spTree>
+    <p:extLst>
+      <p:ext uri="{BB962C8B-B14F-4D97-AF65-F5344CB8AC3E}">
+        <p14:creationId xmlns:p14="http://schemas.microsoft.com/office/powerpoint/2010/main" val="559420143"/>
+      </p:ext>
+    </p:extLst>
+  </p:cSld>
+  <p:clrMapOvr>
+    <a:masterClrMapping/>
+  </p:clrMapOvr>
+</p:sld>
+</file>
+
+<file path=ppt/slides/slide8.xml><?xml version="1.0" encoding="utf-8"?>
+<p:sld xmlns:a="http://schemas.openxmlformats.org/drawingml/2006/main" xmlns:r="http://schemas.openxmlformats.org/officeDocument/2006/relationships" xmlns:p="http://schemas.openxmlformats.org/presentationml/2006/main">
+  <p:cSld>
+    <p:spTree>
+      <p:nvGrpSpPr>
+        <p:cNvPr id="1" name=""/>
+        <p:cNvGrpSpPr/>
+        <p:nvPr/>
+      </p:nvGrpSpPr>
+      <p:grpSpPr>
+        <a:xfrm>
+          <a:off x="0" y="0"/>
+          <a:ext cx="0" cy="0"/>
+          <a:chOff x="0" y="0"/>
+          <a:chExt cx="0" cy="0"/>
+        </a:xfrm>
+      </p:grpSpPr>
+      <p:sp>
+        <p:nvSpPr>
+          <p:cNvPr id="3" name="Content Placeholder 2">
+            <a:extLst>
+              <a:ext uri="{FF2B5EF4-FFF2-40B4-BE49-F238E27FC236}">
                 <a16:creationId xmlns:a16="http://schemas.microsoft.com/office/drawing/2014/main" id="{9A3B0802-C328-4679-A0E5-64F17F7E41B9}"/>
               </a:ext>
             </a:extLst>
@@ -4701,7 +5152,7 @@
 </p:sld>
 </file>
 
-<file path=ppt/slides/slide8.xml><?xml version="1.0" encoding="utf-8"?>
+<file path=ppt/slides/slide9.xml><?xml version="1.0" encoding="utf-8"?>
 <p:sld xmlns:a="http://schemas.openxmlformats.org/drawingml/2006/main" xmlns:r="http://schemas.openxmlformats.org/officeDocument/2006/relationships" xmlns:p="http://schemas.openxmlformats.org/presentationml/2006/main">
   <p:cSld>
     <p:spTree>
@@ -4723,7 +5174,7 @@
           <p:cNvPr id="3" name="Content Placeholder 2">
             <a:extLst>
               <a:ext uri="{FF2B5EF4-FFF2-40B4-BE49-F238E27FC236}">
-                <a16:creationId xmlns:a16="http://schemas.microsoft.com/office/drawing/2014/main" id="{2CB1E78C-E156-48DD-A121-E9FB44470A17}"/>
+                <a16:creationId xmlns:a16="http://schemas.microsoft.com/office/drawing/2014/main" id="{B0486844-4A45-4DDD-AA87-40151E4A2A3C}"/>
               </a:ext>
             </a:extLst>
           </p:cNvPr>
@@ -4744,26 +5195,30 @@
             </a:pPr>
             <a:r>
               <a:rPr lang="en-GB" dirty="0"/>
-              <a:t>We chose to use MySQL because</a:t>
+              <a:t>We chose not to use MongoDB because</a:t>
             </a:r>
           </a:p>
           <a:p>
             <a:pPr marL="0" indent="0">
               <a:buNone/>
             </a:pPr>
-            <a:r>
-              <a:rPr lang="en-GB" dirty="0"/>
-              <a:t>- </a:t>
-            </a:r>
+            <a:endParaRPr lang="en-GB" dirty="0"/>
+          </a:p>
+          <a:p>
+            <a:pPr>
+              <a:buFontTx/>
+              <a:buChar char="-"/>
+            </a:pPr>
+            <a:endParaRPr lang="en-GB" dirty="0"/>
           </a:p>
         </p:txBody>
       </p:sp>
       <p:pic>
         <p:nvPicPr>
-          <p:cNvPr id="4" name="Picture 20" descr="Image result for mysql logo">
-            <a:extLst>
-              <a:ext uri="{FF2B5EF4-FFF2-40B4-BE49-F238E27FC236}">
-                <a16:creationId xmlns:a16="http://schemas.microsoft.com/office/drawing/2014/main" id="{41664C9B-6506-4FAA-8301-A33F4B616935}"/>
+          <p:cNvPr id="6" name="Picture 4" descr="Image result for red x img">
+            <a:extLst>
+              <a:ext uri="{FF2B5EF4-FFF2-40B4-BE49-F238E27FC236}">
+                <a16:creationId xmlns:a16="http://schemas.microsoft.com/office/drawing/2014/main" id="{4467B0FC-49E1-4597-A3D0-25DAFF047C7A}"/>
               </a:ext>
             </a:extLst>
           </p:cNvPr>
@@ -4787,8 +5242,8 @@
         </p:blipFill>
         <p:spPr bwMode="auto">
           <a:xfrm>
-            <a:off x="1013505" y="165378"/>
-            <a:ext cx="2841272" cy="1465623"/>
+            <a:off x="5321566" y="422890"/>
+            <a:ext cx="989542" cy="989542"/>
           </a:xfrm>
           <a:prstGeom prst="rect">
             <a:avLst/>
@@ -4807,10 +5262,10 @@
       </p:pic>
       <p:pic>
         <p:nvPicPr>
-          <p:cNvPr id="5" name="Picture 4">
-            <a:extLst>
-              <a:ext uri="{FF2B5EF4-FFF2-40B4-BE49-F238E27FC236}">
-                <a16:creationId xmlns:a16="http://schemas.microsoft.com/office/drawing/2014/main" id="{B1CDBDD0-BC04-4C8A-91AD-146088D3639F}"/>
+          <p:cNvPr id="2" name="Picture 1">
+            <a:extLst>
+              <a:ext uri="{FF2B5EF4-FFF2-40B4-BE49-F238E27FC236}">
+                <a16:creationId xmlns:a16="http://schemas.microsoft.com/office/drawing/2014/main" id="{68200CFB-CC12-4A32-AFAF-EA2803BEBDC6}"/>
               </a:ext>
             </a:extLst>
           </p:cNvPr>
@@ -4819,15 +5274,16 @@
           </p:cNvPicPr>
           <p:nvPr/>
         </p:nvPicPr>
-        <p:blipFill rotWithShape="1">
+        <p:blipFill>
           <a:blip r:embed="rId3"/>
-          <a:srcRect l="22119" t="30495" r="896" b="40949"/>
-          <a:stretch/>
+          <a:stretch>
+            <a:fillRect/>
+          </a:stretch>
         </p:blipFill>
         <p:spPr>
           <a:xfrm>
-            <a:off x="7367048" y="165378"/>
-            <a:ext cx="4652128" cy="933254"/>
+            <a:off x="6679577" y="267780"/>
+            <a:ext cx="5257800" cy="1809750"/>
           </a:xfrm>
           <a:prstGeom prst="rect">
             <a:avLst/>
@@ -4836,10 +5292,10 @@
       </p:pic>
       <p:pic>
         <p:nvPicPr>
-          <p:cNvPr id="6" name="Picture 2" descr="Image result for tick img">
-            <a:extLst>
-              <a:ext uri="{FF2B5EF4-FFF2-40B4-BE49-F238E27FC236}">
-                <a16:creationId xmlns:a16="http://schemas.microsoft.com/office/drawing/2014/main" id="{55E2FE6E-5D7C-4C29-BFFE-0806538D10DF}"/>
+          <p:cNvPr id="1026" name="Picture 2" descr="The most popular database for modern apps | MongoDB">
+            <a:extLst>
+              <a:ext uri="{FF2B5EF4-FFF2-40B4-BE49-F238E27FC236}">
+                <a16:creationId xmlns:a16="http://schemas.microsoft.com/office/drawing/2014/main" id="{CCF6FDFC-87BA-4A86-AF41-B1B49195BFCA}"/>
               </a:ext>
             </a:extLst>
           </p:cNvPr>
@@ -4863,8 +5319,8 @@
         </p:blipFill>
         <p:spPr bwMode="auto">
           <a:xfrm>
-            <a:off x="4353099" y="518421"/>
-            <a:ext cx="943708" cy="943708"/>
+            <a:off x="63766" y="203614"/>
+            <a:ext cx="5257800" cy="1428095"/>
           </a:xfrm>
           <a:prstGeom prst="rect">
             <a:avLst/>
@@ -4884,90 +5340,7 @@
     </p:spTree>
     <p:extLst>
       <p:ext uri="{BB962C8B-B14F-4D97-AF65-F5344CB8AC3E}">
-        <p14:creationId xmlns:p14="http://schemas.microsoft.com/office/powerpoint/2010/main" val="511775824"/>
-      </p:ext>
-    </p:extLst>
-  </p:cSld>
-  <p:clrMapOvr>
-    <a:masterClrMapping/>
-  </p:clrMapOvr>
-</p:sld>
-</file>
-
-<file path=ppt/slides/slide9.xml><?xml version="1.0" encoding="utf-8"?>
-<p:sld xmlns:a="http://schemas.openxmlformats.org/drawingml/2006/main" xmlns:r="http://schemas.openxmlformats.org/officeDocument/2006/relationships" xmlns:p="http://schemas.openxmlformats.org/presentationml/2006/main">
-  <p:cSld>
-    <p:spTree>
-      <p:nvGrpSpPr>
-        <p:cNvPr id="1" name=""/>
-        <p:cNvGrpSpPr/>
-        <p:nvPr/>
-      </p:nvGrpSpPr>
-      <p:grpSpPr>
-        <a:xfrm>
-          <a:off x="0" y="0"/>
-          <a:ext cx="0" cy="0"/>
-          <a:chOff x="0" y="0"/>
-          <a:chExt cx="0" cy="0"/>
-        </a:xfrm>
-      </p:grpSpPr>
-      <p:sp>
-        <p:nvSpPr>
-          <p:cNvPr id="2" name="Title 1">
-            <a:extLst>
-              <a:ext uri="{FF2B5EF4-FFF2-40B4-BE49-F238E27FC236}">
-                <a16:creationId xmlns:a16="http://schemas.microsoft.com/office/drawing/2014/main" id="{B9D533AA-19E0-42A2-AE77-355487C3052A}"/>
-              </a:ext>
-            </a:extLst>
-          </p:cNvPr>
-          <p:cNvSpPr>
-            <a:spLocks noGrp="1"/>
-          </p:cNvSpPr>
-          <p:nvPr>
-            <p:ph type="title"/>
-          </p:nvPr>
-        </p:nvSpPr>
-        <p:spPr/>
-        <p:txBody>
-          <a:bodyPr/>
-          <a:lstStyle/>
-          <a:p>
-            <a:r>
-              <a:rPr lang="en-GB" dirty="0"/>
-              <a:t>Demo</a:t>
-            </a:r>
-          </a:p>
-        </p:txBody>
-      </p:sp>
-      <p:sp>
-        <p:nvSpPr>
-          <p:cNvPr id="3" name="Content Placeholder 2">
-            <a:extLst>
-              <a:ext uri="{FF2B5EF4-FFF2-40B4-BE49-F238E27FC236}">
-                <a16:creationId xmlns:a16="http://schemas.microsoft.com/office/drawing/2014/main" id="{D304FC22-8BDA-4665-B093-59FA5B08DF5D}"/>
-              </a:ext>
-            </a:extLst>
-          </p:cNvPr>
-          <p:cNvSpPr>
-            <a:spLocks noGrp="1"/>
-          </p:cNvSpPr>
-          <p:nvPr>
-            <p:ph idx="1"/>
-          </p:nvPr>
-        </p:nvSpPr>
-        <p:spPr/>
-        <p:txBody>
-          <a:bodyPr/>
-          <a:lstStyle/>
-          <a:p>
-            <a:endParaRPr lang="en-GB"/>
-          </a:p>
-        </p:txBody>
-      </p:sp>
-    </p:spTree>
-    <p:extLst>
-      <p:ext uri="{BB962C8B-B14F-4D97-AF65-F5344CB8AC3E}">
-        <p14:creationId xmlns:p14="http://schemas.microsoft.com/office/powerpoint/2010/main" val="4009122389"/>
+        <p14:creationId xmlns:p14="http://schemas.microsoft.com/office/powerpoint/2010/main" val="3106777663"/>
       </p:ext>
     </p:extLst>
   </p:cSld>

--- a/doc/presentation.pptx
+++ b/doc/presentation.pptx
@@ -4808,10 +4808,24 @@
             </a:r>
           </a:p>
           <a:p>
-            <a:pPr marL="0" indent="0">
-              <a:buNone/>
+            <a:pPr>
+              <a:buFontTx/>
+              <a:buChar char="-"/>
             </a:pPr>
-            <a:endParaRPr lang="en-GB" dirty="0"/>
+            <a:r>
+              <a:rPr lang="en-GB" dirty="0"/>
+              <a:t>Creating the web app as a single page application was not necessary for this project</a:t>
+            </a:r>
+          </a:p>
+          <a:p>
+            <a:pPr>
+              <a:buFontTx/>
+              <a:buChar char="-"/>
+            </a:pPr>
+            <a:r>
+              <a:rPr lang="en-GB" dirty="0"/>
+              <a:t>Less familiarity, AngularJS has a bit of a learning curve as it works quite differently to other JavaScript frameworks and libraries which could make it hard for everyone to work together on the project.</a:t>
+            </a:r>
           </a:p>
           <a:p>
             <a:pPr>
@@ -5011,7 +5025,37 @@
             </a:pPr>
             <a:r>
               <a:rPr lang="en-GB" dirty="0"/>
-              <a:t>- jQuery makes it a lot easier to bind data to Dom elements which is used in this and just generally speeding up development easier Dom manipulation</a:t>
+              <a:t>- provides many tools that simplify code and speed up development</a:t>
+            </a:r>
+          </a:p>
+          <a:p>
+            <a:pPr>
+              <a:buFontTx/>
+              <a:buChar char="-"/>
+            </a:pPr>
+            <a:r>
+              <a:rPr lang="en-GB" dirty="0"/>
+              <a:t>jQuery makes it easy to bind data to Dom elements</a:t>
+            </a:r>
+          </a:p>
+          <a:p>
+            <a:pPr>
+              <a:buFontTx/>
+              <a:buChar char="-"/>
+            </a:pPr>
+            <a:r>
+              <a:rPr lang="en-GB" dirty="0"/>
+              <a:t>Relatively lightweight</a:t>
+            </a:r>
+          </a:p>
+          <a:p>
+            <a:pPr>
+              <a:buFontTx/>
+              <a:buChar char="-"/>
+            </a:pPr>
+            <a:r>
+              <a:rPr lang="en-GB" dirty="0"/>
+              <a:t>Syntax is easy to understand and similar to vanilla JavaScript</a:t>
             </a:r>
           </a:p>
         </p:txBody>

--- a/doc/presentation.pptx
+++ b/doc/presentation.pptx
@@ -3359,69 +3359,87 @@
       </p:grpSpPr>
       <p:sp>
         <p:nvSpPr>
-          <p:cNvPr id="4" name="Rectangle 3">
-            <a:extLst>
-              <a:ext uri="{FF2B5EF4-FFF2-40B4-BE49-F238E27FC236}">
-                <a16:creationId xmlns:a16="http://schemas.microsoft.com/office/drawing/2014/main" id="{F9EAF383-40CB-493B-9886-D798AA94AC1D}"/>
-              </a:ext>
-            </a:extLst>
-          </p:cNvPr>
-          <p:cNvSpPr/>
-          <p:nvPr/>
+          <p:cNvPr id="2" name="Title 1">
+            <a:extLst>
+              <a:ext uri="{FF2B5EF4-FFF2-40B4-BE49-F238E27FC236}">
+                <a16:creationId xmlns:a16="http://schemas.microsoft.com/office/drawing/2014/main" id="{4A4EC408-194E-4F49-8A59-DEE614CE29F6}"/>
+              </a:ext>
+            </a:extLst>
+          </p:cNvPr>
+          <p:cNvSpPr>
+            <a:spLocks noGrp="1"/>
+          </p:cNvSpPr>
+          <p:nvPr>
+            <p:ph type="ctrTitle"/>
+          </p:nvPr>
+        </p:nvSpPr>
+        <p:spPr/>
+        <p:txBody>
+          <a:bodyPr/>
+          <a:lstStyle/>
+          <a:p>
+            <a:r>
+              <a:rPr lang="en-GB" dirty="0"/>
+              <a:t>Paperless Restaurant</a:t>
+            </a:r>
+          </a:p>
+        </p:txBody>
+      </p:sp>
+      <p:sp>
+        <p:nvSpPr>
+          <p:cNvPr id="3" name="Subtitle 2">
+            <a:extLst>
+              <a:ext uri="{FF2B5EF4-FFF2-40B4-BE49-F238E27FC236}">
+                <a16:creationId xmlns:a16="http://schemas.microsoft.com/office/drawing/2014/main" id="{9EF239E1-9F89-426B-A318-C6FFC4F31697}"/>
+              </a:ext>
+            </a:extLst>
+          </p:cNvPr>
+          <p:cNvSpPr>
+            <a:spLocks noGrp="1"/>
+          </p:cNvSpPr>
+          <p:nvPr>
+            <p:ph type="subTitle" idx="1"/>
+          </p:nvPr>
         </p:nvSpPr>
         <p:spPr>
           <a:xfrm>
-            <a:off x="1808374" y="1694371"/>
-            <a:ext cx="9206845" cy="2308324"/>
+            <a:off x="1524000" y="3754582"/>
+            <a:ext cx="9144000" cy="2540144"/>
           </a:xfrm>
-          <a:prstGeom prst="rect">
-            <a:avLst/>
-          </a:prstGeom>
         </p:spPr>
         <p:txBody>
-          <a:bodyPr wrap="square">
-            <a:spAutoFit/>
-          </a:bodyPr>
+          <a:bodyPr/>
           <a:lstStyle/>
           <a:p>
             <a:r>
               <a:rPr lang="en-GB" b="1" dirty="0"/>
-              <a:t>Group presentation/demo: [20] </a:t>
-            </a:r>
+              <a:t>Group 3</a:t>
+            </a:r>
+            <a:endParaRPr lang="en-GB" dirty="0"/>
+          </a:p>
+          <a:p>
             <a:r>
               <a:rPr lang="en-GB" dirty="0"/>
-              <a:t>The project will culminate with you delivering a group verbal presentation that explain your methods and technologies used for the site redevelopment, followed by a quick demo of your software. This should meet the following criteria:</a:t>
+              <a:t>Francis Dippnall (17003003) – Back-End + Client APIs</a:t>
+            </a:r>
+          </a:p>
+          <a:p>
+            <a:r>
+              <a:rPr lang="en-GB" dirty="0"/>
+              <a:t>Robert Flynn (16026255) – Counter + Kitchen Front-End</a:t>
+            </a:r>
+          </a:p>
+          <a:p>
+            <a:r>
+              <a:rPr lang="en-GB" dirty="0"/>
+              <a:t>Jacob Croker (17083659) – Waiter View + Mobile Accessibility</a:t>
             </a:r>
           </a:p>
           <a:p>
             <a:endParaRPr lang="en-GB" dirty="0"/>
           </a:p>
           <a:p>
-            <a:pPr marL="342900" indent="-342900">
-              <a:buAutoNum type="arabicPeriod"/>
-            </a:pPr>
-            <a:r>
-              <a:rPr lang="en-GB" dirty="0"/>
-              <a:t>Compare and contrast the different technologies you have considered for completing the tasks;</a:t>
-            </a:r>
-          </a:p>
-          <a:p>
-            <a:pPr marL="342900" indent="-342900">
-              <a:buAutoNum type="arabicPeriod"/>
-            </a:pPr>
-            <a:r>
-              <a:rPr lang="en-GB" dirty="0"/>
-              <a:t>Describe in detail the particular and specific technologies you used and your reasons why;</a:t>
-            </a:r>
-          </a:p>
-          <a:p>
-            <a:pPr marL="342900" indent="-342900">
-              <a:buAutoNum type="arabicPeriod"/>
-            </a:pPr>
-            <a:r>
-              <a:rPr lang="en-GB" dirty="0"/>
-              <a:t>Give a quick demo of your software, explaining specific details of your site. </a:t>
-            </a:r>
+            <a:endParaRPr lang="en-GB" dirty="0"/>
           </a:p>
         </p:txBody>
       </p:sp>
@@ -3490,7 +3508,16 @@
             </a:pPr>
             <a:r>
               <a:rPr lang="en-GB" dirty="0"/>
-              <a:t>- </a:t>
+              <a:t>- We already know all the data we want to save, requiring less maintenance.</a:t>
+            </a:r>
+          </a:p>
+          <a:p>
+            <a:pPr marL="0" indent="0">
+              <a:buNone/>
+            </a:pPr>
+            <a:r>
+              <a:rPr lang="en-GB" dirty="0"/>
+              <a:t>- It gives us more control over the structure.</a:t>
             </a:r>
           </a:p>
         </p:txBody>
@@ -5246,7 +5273,19 @@
             <a:pPr marL="0" indent="0">
               <a:buNone/>
             </a:pPr>
-            <a:endParaRPr lang="en-GB" dirty="0"/>
+            <a:r>
+              <a:rPr lang="en-GB" dirty="0"/>
+              <a:t>- It gives us less control of what data is being saved.</a:t>
+            </a:r>
+          </a:p>
+          <a:p>
+            <a:pPr marL="0" indent="0">
+              <a:buNone/>
+            </a:pPr>
+            <a:r>
+              <a:rPr lang="en-GB" dirty="0"/>
+              <a:t>- Flexibility isn’t necessary.</a:t>
+            </a:r>
           </a:p>
           <a:p>
             <a:pPr>
